--- a/slides/2.0/Angular 2.0 Slides Day 3.pptx
+++ b/slides/2.0/Angular 2.0 Slides Day 3.pptx
@@ -30,6 +30,10 @@
     <p:sldId id="275" r:id="rId27"/>
     <p:sldId id="276" r:id="rId28"/>
     <p:sldId id="277" r:id="rId29"/>
+    <p:sldId id="278" r:id="rId30"/>
+    <p:sldId id="279" r:id="rId31"/>
+    <p:sldId id="280" r:id="rId32"/>
+    <p:sldId id="281" r:id="rId33"/>
   </p:sldIdLst>
   <p:sldSz cx="13004800" cy="9753600"/>
   <p:notesSz cx="6858000" cy="9144000"/>
@@ -531,8 +535,8 @@
       </p:grpSpPr>
       <p:sp>
         <p:nvSpPr>
-          <p:cNvPr id="11" name="Shape 11"/>
-          <p:cNvSpPr/>
+          <p:cNvPr id="11" name="Title Text"/>
+          <p:cNvSpPr txBox="1"/>
           <p:nvPr>
             <p:ph type="title"/>
           </p:nvPr>
@@ -559,8 +563,8 @@
       </p:sp>
       <p:sp>
         <p:nvSpPr>
-          <p:cNvPr id="12" name="Shape 12"/>
-          <p:cNvSpPr/>
+          <p:cNvPr id="12" name="Body Level One…"/>
+          <p:cNvSpPr txBox="1"/>
           <p:nvPr>
             <p:ph type="body" sz="quarter" idx="1"/>
           </p:nvPr>
@@ -652,8 +656,8 @@
       </p:sp>
       <p:sp>
         <p:nvSpPr>
-          <p:cNvPr id="13" name="Shape 13"/>
-          <p:cNvSpPr/>
+          <p:cNvPr id="13" name="Slide Number"/>
+          <p:cNvSpPr txBox="1"/>
           <p:nvPr>
             <p:ph type="sldNum" sz="quarter" idx="2"/>
           </p:nvPr>
@@ -700,8 +704,8 @@
       </p:grpSpPr>
       <p:sp>
         <p:nvSpPr>
-          <p:cNvPr id="93" name="Shape 93"/>
-          <p:cNvSpPr/>
+          <p:cNvPr id="93" name="–Johnny Appleseed"/>
+          <p:cNvSpPr txBox="1"/>
           <p:nvPr>
             <p:ph type="body" sz="quarter" idx="13"/>
           </p:nvPr>
@@ -739,8 +743,8 @@
       </p:sp>
       <p:sp>
         <p:nvSpPr>
-          <p:cNvPr id="94" name="Shape 94"/>
-          <p:cNvSpPr/>
+          <p:cNvPr id="94" name="“Type a quote here.”"/>
+          <p:cNvSpPr txBox="1"/>
           <p:nvPr>
             <p:ph type="body" sz="quarter" idx="14"/>
           </p:nvPr>
@@ -777,8 +781,8 @@
       </p:sp>
       <p:sp>
         <p:nvSpPr>
-          <p:cNvPr id="95" name="Shape 95"/>
-          <p:cNvSpPr/>
+          <p:cNvPr id="95" name="Slide Number"/>
+          <p:cNvSpPr txBox="1"/>
           <p:nvPr>
             <p:ph type="sldNum" sz="quarter" idx="2"/>
           </p:nvPr>
@@ -825,7 +829,7 @@
       </p:grpSpPr>
       <p:sp>
         <p:nvSpPr>
-          <p:cNvPr id="102" name="Shape 102"/>
+          <p:cNvPr id="102" name="Image"/>
           <p:cNvSpPr/>
           <p:nvPr>
             <p:ph type="pic" idx="13"/>
@@ -852,8 +856,8 @@
       </p:sp>
       <p:sp>
         <p:nvSpPr>
-          <p:cNvPr id="103" name="Shape 103"/>
-          <p:cNvSpPr/>
+          <p:cNvPr id="103" name="Slide Number"/>
+          <p:cNvSpPr txBox="1"/>
           <p:nvPr>
             <p:ph type="sldNum" sz="quarter" idx="2"/>
           </p:nvPr>
@@ -900,8 +904,8 @@
       </p:grpSpPr>
       <p:sp>
         <p:nvSpPr>
-          <p:cNvPr id="110" name="Shape 110"/>
-          <p:cNvSpPr/>
+          <p:cNvPr id="110" name="Slide Number"/>
+          <p:cNvSpPr txBox="1"/>
           <p:nvPr>
             <p:ph type="sldNum" sz="quarter" idx="2"/>
           </p:nvPr>
@@ -948,7 +952,7 @@
       </p:grpSpPr>
       <p:sp>
         <p:nvSpPr>
-          <p:cNvPr id="20" name="Shape 20"/>
+          <p:cNvPr id="20" name="Image"/>
           <p:cNvSpPr/>
           <p:nvPr>
             <p:ph type="pic" idx="13"/>
@@ -975,8 +979,8 @@
       </p:sp>
       <p:sp>
         <p:nvSpPr>
-          <p:cNvPr id="21" name="Shape 21"/>
-          <p:cNvSpPr/>
+          <p:cNvPr id="21" name="Title Text"/>
+          <p:cNvSpPr txBox="1"/>
           <p:nvPr>
             <p:ph type="title"/>
           </p:nvPr>
@@ -1003,8 +1007,8 @@
       </p:sp>
       <p:sp>
         <p:nvSpPr>
-          <p:cNvPr id="22" name="Shape 22"/>
-          <p:cNvSpPr/>
+          <p:cNvPr id="22" name="Body Level One…"/>
+          <p:cNvSpPr txBox="1"/>
           <p:nvPr>
             <p:ph type="body" sz="quarter" idx="1"/>
           </p:nvPr>
@@ -1096,8 +1100,8 @@
       </p:sp>
       <p:sp>
         <p:nvSpPr>
-          <p:cNvPr id="23" name="Shape 23"/>
-          <p:cNvSpPr/>
+          <p:cNvPr id="23" name="Slide Number"/>
+          <p:cNvSpPr txBox="1"/>
           <p:nvPr>
             <p:ph type="sldNum" sz="quarter" idx="2"/>
           </p:nvPr>
@@ -1144,8 +1148,8 @@
       </p:grpSpPr>
       <p:sp>
         <p:nvSpPr>
-          <p:cNvPr id="30" name="Shape 30"/>
-          <p:cNvSpPr/>
+          <p:cNvPr id="30" name="Title Text"/>
+          <p:cNvSpPr txBox="1"/>
           <p:nvPr>
             <p:ph type="title"/>
           </p:nvPr>
@@ -1172,8 +1176,8 @@
       </p:sp>
       <p:sp>
         <p:nvSpPr>
-          <p:cNvPr id="31" name="Shape 31"/>
-          <p:cNvSpPr/>
+          <p:cNvPr id="31" name="Slide Number"/>
+          <p:cNvSpPr txBox="1"/>
           <p:nvPr>
             <p:ph type="sldNum" sz="quarter" idx="2"/>
           </p:nvPr>
@@ -1220,7 +1224,7 @@
       </p:grpSpPr>
       <p:sp>
         <p:nvSpPr>
-          <p:cNvPr id="38" name="Shape 38"/>
+          <p:cNvPr id="38" name="Image"/>
           <p:cNvSpPr/>
           <p:nvPr>
             <p:ph type="pic" sz="half" idx="13"/>
@@ -1247,8 +1251,8 @@
       </p:sp>
       <p:sp>
         <p:nvSpPr>
-          <p:cNvPr id="39" name="Shape 39"/>
-          <p:cNvSpPr/>
+          <p:cNvPr id="39" name="Title Text"/>
+          <p:cNvSpPr txBox="1"/>
           <p:nvPr>
             <p:ph type="title"/>
           </p:nvPr>
@@ -1279,8 +1283,8 @@
       </p:sp>
       <p:sp>
         <p:nvSpPr>
-          <p:cNvPr id="40" name="Shape 40"/>
-          <p:cNvSpPr/>
+          <p:cNvPr id="40" name="Body Level One…"/>
+          <p:cNvSpPr txBox="1"/>
           <p:nvPr>
             <p:ph type="body" sz="quarter" idx="1"/>
           </p:nvPr>
@@ -1372,8 +1376,8 @@
       </p:sp>
       <p:sp>
         <p:nvSpPr>
-          <p:cNvPr id="41" name="Shape 41"/>
-          <p:cNvSpPr/>
+          <p:cNvPr id="41" name="Slide Number"/>
+          <p:cNvSpPr txBox="1"/>
           <p:nvPr>
             <p:ph type="sldNum" sz="quarter" idx="2"/>
           </p:nvPr>
@@ -1420,8 +1424,8 @@
       </p:grpSpPr>
       <p:sp>
         <p:nvSpPr>
-          <p:cNvPr id="48" name="Shape 48"/>
-          <p:cNvSpPr/>
+          <p:cNvPr id="48" name="Title Text"/>
+          <p:cNvSpPr txBox="1"/>
           <p:nvPr>
             <p:ph type="title"/>
           </p:nvPr>
@@ -1444,8 +1448,8 @@
       </p:sp>
       <p:sp>
         <p:nvSpPr>
-          <p:cNvPr id="49" name="Shape 49"/>
-          <p:cNvSpPr/>
+          <p:cNvPr id="49" name="Slide Number"/>
+          <p:cNvSpPr txBox="1"/>
           <p:nvPr>
             <p:ph type="sldNum" sz="quarter" idx="2"/>
           </p:nvPr>
@@ -1492,8 +1496,8 @@
       </p:grpSpPr>
       <p:sp>
         <p:nvSpPr>
-          <p:cNvPr id="56" name="Shape 56"/>
-          <p:cNvSpPr/>
+          <p:cNvPr id="56" name="Title Text"/>
+          <p:cNvSpPr txBox="1"/>
           <p:nvPr>
             <p:ph type="title"/>
           </p:nvPr>
@@ -1516,8 +1520,8 @@
       </p:sp>
       <p:sp>
         <p:nvSpPr>
-          <p:cNvPr id="57" name="Shape 57"/>
-          <p:cNvSpPr/>
+          <p:cNvPr id="57" name="Body Level One…"/>
+          <p:cNvSpPr txBox="1"/>
           <p:nvPr>
             <p:ph type="body" idx="1"/>
           </p:nvPr>
@@ -1564,8 +1568,8 @@
       </p:sp>
       <p:sp>
         <p:nvSpPr>
-          <p:cNvPr id="58" name="Shape 58"/>
-          <p:cNvSpPr/>
+          <p:cNvPr id="58" name="Slide Number"/>
+          <p:cNvSpPr txBox="1"/>
           <p:nvPr>
             <p:ph type="sldNum" sz="quarter" idx="2"/>
           </p:nvPr>
@@ -1612,7 +1616,7 @@
       </p:grpSpPr>
       <p:sp>
         <p:nvSpPr>
-          <p:cNvPr id="65" name="Shape 65"/>
+          <p:cNvPr id="65" name="Image"/>
           <p:cNvSpPr/>
           <p:nvPr>
             <p:ph type="pic" sz="half" idx="13"/>
@@ -1639,8 +1643,8 @@
       </p:sp>
       <p:sp>
         <p:nvSpPr>
-          <p:cNvPr id="66" name="Shape 66"/>
-          <p:cNvSpPr/>
+          <p:cNvPr id="66" name="Title Text"/>
+          <p:cNvSpPr txBox="1"/>
           <p:nvPr>
             <p:ph type="title"/>
           </p:nvPr>
@@ -1663,8 +1667,8 @@
       </p:sp>
       <p:sp>
         <p:nvSpPr>
-          <p:cNvPr id="67" name="Shape 67"/>
-          <p:cNvSpPr/>
+          <p:cNvPr id="67" name="Body Level One…"/>
+          <p:cNvSpPr txBox="1"/>
           <p:nvPr>
             <p:ph type="body" sz="half" idx="1"/>
           </p:nvPr>
@@ -1746,8 +1750,8 @@
       </p:sp>
       <p:sp>
         <p:nvSpPr>
-          <p:cNvPr id="68" name="Shape 68"/>
-          <p:cNvSpPr/>
+          <p:cNvPr id="68" name="Slide Number"/>
+          <p:cNvSpPr txBox="1"/>
           <p:nvPr>
             <p:ph type="sldNum" sz="quarter" idx="2"/>
           </p:nvPr>
@@ -1794,8 +1798,8 @@
       </p:grpSpPr>
       <p:sp>
         <p:nvSpPr>
-          <p:cNvPr id="75" name="Shape 75"/>
-          <p:cNvSpPr/>
+          <p:cNvPr id="75" name="Body Level One…"/>
+          <p:cNvSpPr txBox="1"/>
           <p:nvPr>
             <p:ph type="body" idx="1"/>
           </p:nvPr>
@@ -1846,8 +1850,8 @@
       </p:sp>
       <p:sp>
         <p:nvSpPr>
-          <p:cNvPr id="76" name="Shape 76"/>
-          <p:cNvSpPr/>
+          <p:cNvPr id="76" name="Slide Number"/>
+          <p:cNvSpPr txBox="1"/>
           <p:nvPr>
             <p:ph type="sldNum" sz="quarter" idx="2"/>
           </p:nvPr>
@@ -1894,7 +1898,7 @@
       </p:grpSpPr>
       <p:sp>
         <p:nvSpPr>
-          <p:cNvPr id="83" name="Shape 83"/>
+          <p:cNvPr id="83" name="Image"/>
           <p:cNvSpPr/>
           <p:nvPr>
             <p:ph type="pic" sz="quarter" idx="13"/>
@@ -1921,7 +1925,7 @@
       </p:sp>
       <p:sp>
         <p:nvSpPr>
-          <p:cNvPr id="84" name="Shape 84"/>
+          <p:cNvPr id="84" name="Image"/>
           <p:cNvSpPr/>
           <p:nvPr>
             <p:ph type="pic" sz="quarter" idx="14"/>
@@ -1948,7 +1952,7 @@
       </p:sp>
       <p:sp>
         <p:nvSpPr>
-          <p:cNvPr id="85" name="Shape 85"/>
+          <p:cNvPr id="85" name="Image"/>
           <p:cNvSpPr/>
           <p:nvPr>
             <p:ph type="pic" sz="half" idx="15"/>
@@ -1975,8 +1979,8 @@
       </p:sp>
       <p:sp>
         <p:nvSpPr>
-          <p:cNvPr id="86" name="Shape 86"/>
-          <p:cNvSpPr/>
+          <p:cNvPr id="86" name="Slide Number"/>
+          <p:cNvSpPr txBox="1"/>
           <p:nvPr>
             <p:ph type="sldNum" sz="quarter" idx="2"/>
           </p:nvPr>
@@ -2030,8 +2034,8 @@
       </p:grpSpPr>
       <p:sp>
         <p:nvSpPr>
-          <p:cNvPr id="2" name="Shape 2"/>
-          <p:cNvSpPr/>
+          <p:cNvPr id="2" name="Title Text"/>
+          <p:cNvSpPr txBox="1"/>
           <p:nvPr>
             <p:ph type="title"/>
           </p:nvPr>
@@ -2068,8 +2072,8 @@
       </p:sp>
       <p:sp>
         <p:nvSpPr>
-          <p:cNvPr id="3" name="Shape 3"/>
-          <p:cNvSpPr/>
+          <p:cNvPr id="3" name="Body Level One…"/>
+          <p:cNvSpPr txBox="1"/>
           <p:nvPr>
             <p:ph type="body" idx="1"/>
           </p:nvPr>
@@ -2130,8 +2134,8 @@
       </p:sp>
       <p:sp>
         <p:nvSpPr>
-          <p:cNvPr id="4" name="Shape 4"/>
-          <p:cNvSpPr/>
+          <p:cNvPr id="4" name="Slide Number"/>
+          <p:cNvSpPr txBox="1"/>
           <p:nvPr>
             <p:ph type="sldNum" sz="quarter" idx="2"/>
           </p:nvPr>
@@ -2994,8 +2998,8 @@
       </p:grpSpPr>
       <p:sp>
         <p:nvSpPr>
-          <p:cNvPr id="119" name="Shape 119"/>
-          <p:cNvSpPr/>
+          <p:cNvPr id="119" name="Angular 2.0"/>
+          <p:cNvSpPr txBox="1"/>
           <p:nvPr>
             <p:ph type="ctrTitle"/>
           </p:nvPr>
@@ -3018,8 +3022,8 @@
       </p:sp>
       <p:sp>
         <p:nvSpPr>
-          <p:cNvPr id="120" name="Shape 120"/>
-          <p:cNvSpPr/>
+          <p:cNvPr id="120" name="Elias Carlston, DevelopIntelligence…"/>
+          <p:cNvSpPr txBox="1"/>
           <p:nvPr>
             <p:ph type="subTitle" sz="quarter" idx="1"/>
           </p:nvPr>
@@ -3093,8 +3097,8 @@
       </p:grpSpPr>
       <p:sp>
         <p:nvSpPr>
-          <p:cNvPr id="146" name="Shape 146"/>
-          <p:cNvSpPr/>
+          <p:cNvPr id="146" name="Lab: Basic Directives"/>
+          <p:cNvSpPr txBox="1"/>
           <p:nvPr>
             <p:ph type="title"/>
           </p:nvPr>
@@ -3117,8 +3121,8 @@
       </p:sp>
       <p:sp>
         <p:nvSpPr>
-          <p:cNvPr id="147" name="Shape 147"/>
-          <p:cNvSpPr/>
+          <p:cNvPr id="147" name="Add an 'edit mode'…"/>
+          <p:cNvSpPr txBox="1"/>
           <p:nvPr>
             <p:ph type="body" idx="1"/>
           </p:nvPr>
@@ -3194,8 +3198,8 @@
       </p:grpSpPr>
       <p:sp>
         <p:nvSpPr>
-          <p:cNvPr id="149" name="Shape 149"/>
-          <p:cNvSpPr/>
+          <p:cNvPr id="149" name="Directives"/>
+          <p:cNvSpPr txBox="1"/>
           <p:nvPr>
             <p:ph type="title"/>
           </p:nvPr>
@@ -3218,8 +3222,8 @@
       </p:sp>
       <p:sp>
         <p:nvSpPr>
-          <p:cNvPr id="150" name="Shape 150"/>
-          <p:cNvSpPr/>
+          <p:cNvPr id="150" name="ngSwitch…"/>
+          <p:cNvSpPr txBox="1"/>
           <p:nvPr>
             <p:ph type="body" idx="1"/>
           </p:nvPr>
@@ -3310,8 +3314,8 @@
       </p:grpSpPr>
       <p:sp>
         <p:nvSpPr>
-          <p:cNvPr id="152" name="Shape 152"/>
-          <p:cNvSpPr/>
+          <p:cNvPr id="152" name="Directives"/>
+          <p:cNvSpPr txBox="1"/>
           <p:nvPr>
             <p:ph type="title"/>
           </p:nvPr>
@@ -3334,8 +3338,8 @@
       </p:sp>
       <p:sp>
         <p:nvSpPr>
-          <p:cNvPr id="153" name="Shape 153"/>
-          <p:cNvSpPr/>
+          <p:cNvPr id="153" name="ngFor…"/>
+          <p:cNvSpPr txBox="1"/>
           <p:nvPr>
             <p:ph type="body" idx="1"/>
           </p:nvPr>
@@ -3426,8 +3430,8 @@
       </p:grpSpPr>
       <p:sp>
         <p:nvSpPr>
-          <p:cNvPr id="155" name="Shape 155"/>
-          <p:cNvSpPr/>
+          <p:cNvPr id="155" name="Lab: More Directives"/>
+          <p:cNvSpPr txBox="1"/>
           <p:nvPr>
             <p:ph type="title"/>
           </p:nvPr>
@@ -3450,8 +3454,8 @@
       </p:sp>
       <p:sp>
         <p:nvSpPr>
-          <p:cNvPr id="156" name="Shape 156"/>
-          <p:cNvSpPr/>
+          <p:cNvPr id="156" name="Create a higher-level Component (&quot;album&quot;)…"/>
+          <p:cNvSpPr txBox="1"/>
           <p:nvPr>
             <p:ph type="body" idx="1"/>
           </p:nvPr>
@@ -3471,7 +3475,7 @@
           <a:p>
             <a:pPr/>
             <a:r>
-              <a:t>Create a higher-level Component "performances"</a:t>
+              <a:t>Create a higher-level Component ("album")</a:t>
             </a:r>
           </a:p>
           <a:p>
@@ -3528,8 +3532,8 @@
       </p:grpSpPr>
       <p:sp>
         <p:nvSpPr>
-          <p:cNvPr id="158" name="Shape 158"/>
-          <p:cNvSpPr/>
+          <p:cNvPr id="158" name="Custom Directive"/>
+          <p:cNvSpPr txBox="1"/>
           <p:nvPr>
             <p:ph type="title"/>
           </p:nvPr>
@@ -3545,15 +3549,15 @@
           <a:p>
             <a:pPr/>
             <a:r>
-              <a:t>Services</a:t>
-            </a:r>
-          </a:p>
-        </p:txBody>
-      </p:sp>
-      <p:sp>
-        <p:nvSpPr>
-          <p:cNvPr id="159" name="Shape 159"/>
-          <p:cNvSpPr/>
+              <a:t>Custom Directive</a:t>
+            </a:r>
+          </a:p>
+        </p:txBody>
+      </p:sp>
+      <p:sp>
+        <p:nvSpPr>
+          <p:cNvPr id="159" name="Define non-component behavior…"/>
+          <p:cNvSpPr txBox="1"/>
           <p:nvPr>
             <p:ph type="body" idx="1"/>
           </p:nvPr>
@@ -3567,30 +3571,27 @@
           <a:bodyPr anchor="t"/>
           <a:lstStyle/>
           <a:p>
-            <a:pPr marL="0" indent="0">
-              <a:buSzTx/>
-              <a:buNone/>
-            </a:pPr>
-            <a:r>
-              <a:t>Service Definition</a:t>
-            </a:r>
-          </a:p>
-          <a:p>
-            <a:pPr/>
-            <a:r>
-              <a:t>A discrete, independent unit of functionality</a:t>
-            </a:r>
-          </a:p>
-          <a:p>
-            <a:pPr/>
-            <a:r>
-              <a:t>A "black box" to its consumers</a:t>
-            </a:r>
-          </a:p>
-          <a:p>
-            <a:pPr/>
-            <a:r>
-              <a:t>Composable with other services</a:t>
+            <a:pPr/>
+            <a:r>
+              <a:t>Define non-component behavior</a:t>
+            </a:r>
+          </a:p>
+          <a:p>
+            <a:pPr/>
+            <a:r>
+              <a:t>Should not render / no template</a:t>
+            </a:r>
+          </a:p>
+          <a:p>
+            <a:pPr/>
+            <a:r>
+              <a:t>Can make DOM modifications</a:t>
+            </a:r>
+          </a:p>
+          <a:p>
+            <a:pPr/>
+            <a:r>
+              <a:t>Be careful! Powerful and dangerous</a:t>
             </a:r>
           </a:p>
         </p:txBody>
@@ -3623,8 +3624,8 @@
       </p:grpSpPr>
       <p:sp>
         <p:nvSpPr>
-          <p:cNvPr id="161" name="Shape 161"/>
-          <p:cNvSpPr/>
+          <p:cNvPr id="161" name="Lab: Custom Directive"/>
+          <p:cNvSpPr txBox="1"/>
           <p:nvPr>
             <p:ph type="title"/>
           </p:nvPr>
@@ -3640,15 +3641,15 @@
           <a:p>
             <a:pPr/>
             <a:r>
-              <a:t>Services</a:t>
-            </a:r>
-          </a:p>
-        </p:txBody>
-      </p:sp>
-      <p:sp>
-        <p:nvSpPr>
-          <p:cNvPr id="162" name="Shape 162"/>
-          <p:cNvSpPr/>
+              <a:t>Lab: Custom Directive</a:t>
+            </a:r>
+          </a:p>
+        </p:txBody>
+      </p:sp>
+      <p:sp>
+        <p:nvSpPr>
+          <p:cNvPr id="162" name="1. Change renderer color to green…"/>
+          <p:cNvSpPr txBox="1"/>
           <p:nvPr>
             <p:ph type="body" idx="1"/>
           </p:nvPr>
@@ -3662,36 +3663,80 @@
           <a:bodyPr anchor="t"/>
           <a:lstStyle/>
           <a:p>
-            <a:pPr marL="0" indent="0">
-              <a:buSzTx/>
-              <a:buNone/>
+            <a:pPr marL="377825" indent="-377825" defTabSz="496570">
+              <a:spcBef>
+                <a:spcPts val="3500"/>
+              </a:spcBef>
+              <a:defRPr sz="3230"/>
             </a:pPr>
             <a:r>
-              <a:t>Why Services</a:t>
-            </a:r>
-          </a:p>
-          <a:p>
-            <a:pPr/>
-            <a:r>
-              <a:t>Single Responsibility Principle / DRY</a:t>
-            </a:r>
-          </a:p>
-          <a:p>
-            <a:pPr/>
-            <a:r>
-              <a:t>Share data and / or behavior across app</a:t>
-            </a:r>
-          </a:p>
-          <a:p>
-            <a:pPr/>
-            <a:r>
-              <a:t>Hide complexity from consumers</a:t>
-            </a:r>
-          </a:p>
-          <a:p>
-            <a:pPr/>
-            <a:r>
-              <a:t>Testing: substitute with a mock object</a:t>
+              <a:t>1. Change renderer color to green</a:t>
+            </a:r>
+          </a:p>
+          <a:p>
+            <a:pPr marL="377825" indent="-377825" defTabSz="496570">
+              <a:spcBef>
+                <a:spcPts val="3500"/>
+              </a:spcBef>
+              <a:defRPr sz="3230"/>
+            </a:pPr>
+            <a:r>
+              <a:t>2. Call directive within ngFor loop (your ex.)</a:t>
+            </a:r>
+          </a:p>
+          <a:p>
+            <a:pPr marL="377825" indent="-377825" defTabSz="496570">
+              <a:spcBef>
+                <a:spcPts val="3500"/>
+              </a:spcBef>
+              <a:defRPr sz="3230"/>
+            </a:pPr>
+            <a:r>
+              <a:t>Import Directive decorator from core</a:t>
+            </a:r>
+          </a:p>
+          <a:p>
+            <a:pPr marL="377825" indent="-377825" defTabSz="496570">
+              <a:spcBef>
+                <a:spcPts val="3500"/>
+              </a:spcBef>
+              <a:defRPr sz="3230"/>
+            </a:pPr>
+            <a:r>
+              <a:t>Import ElementRef and Renderer from core</a:t>
+            </a:r>
+          </a:p>
+          <a:p>
+            <a:pPr marL="377825" indent="-377825" defTabSz="496570">
+              <a:spcBef>
+                <a:spcPts val="3500"/>
+              </a:spcBef>
+              <a:defRPr sz="3230"/>
+            </a:pPr>
+            <a:r>
+              <a:t>Add above to constructor</a:t>
+            </a:r>
+          </a:p>
+          <a:p>
+            <a:pPr marL="377825" indent="-377825" defTabSz="496570">
+              <a:spcBef>
+                <a:spcPts val="3500"/>
+              </a:spcBef>
+              <a:defRPr sz="3230"/>
+            </a:pPr>
+            <a:r>
+              <a:t>Use Renderer.setElementStyle to set display  none</a:t>
+            </a:r>
+          </a:p>
+          <a:p>
+            <a:pPr marL="377825" indent="-377825" defTabSz="496570">
+              <a:spcBef>
+                <a:spcPts val="3500"/>
+              </a:spcBef>
+              <a:defRPr sz="3230"/>
+            </a:pPr>
+            <a:r>
+              <a:t>Add directive to app.module declarations</a:t>
             </a:r>
           </a:p>
         </p:txBody>
@@ -3724,8 +3769,8 @@
       </p:grpSpPr>
       <p:sp>
         <p:nvSpPr>
-          <p:cNvPr id="164" name="Shape 164"/>
-          <p:cNvSpPr/>
+          <p:cNvPr id="164" name="Services"/>
+          <p:cNvSpPr txBox="1"/>
           <p:nvPr>
             <p:ph type="title"/>
           </p:nvPr>
@@ -3748,304 +3793,45 @@
       </p:sp>
       <p:sp>
         <p:nvSpPr>
-          <p:cNvPr id="165" name="Shape 165"/>
-          <p:cNvSpPr/>
-          <p:nvPr/>
-        </p:nvSpPr>
-        <p:spPr>
-          <a:xfrm>
-            <a:off x="4648289" y="2374899"/>
-            <a:ext cx="3708223" cy="685801"/>
-          </a:xfrm>
-          <a:prstGeom prst="rect">
-            <a:avLst/>
-          </a:prstGeom>
-          <a:ln w="12700">
-            <a:miter lim="400000"/>
-          </a:ln>
-          <a:extLst>
-            <a:ext uri="{C572A759-6A51-4108-AA02-DFA0A04FC94B}">
-              <ma14:wrappingTextBoxFlag xmlns:ma14="http://schemas.microsoft.com/office/mac/drawingml/2011/main" val="1"/>
-            </a:ext>
-          </a:extLst>
-        </p:spPr>
-        <p:txBody>
-          <a:bodyPr wrap="none" lIns="50800" tIns="50800" rIns="50800" bIns="50800" anchor="ctr">
-            <a:spAutoFit/>
-          </a:bodyPr>
-          <a:lstStyle>
-            <a:lvl1pPr algn="l">
-              <a:spcBef>
-                <a:spcPts val="4200"/>
-              </a:spcBef>
-              <a:defRPr sz="3800"/>
-            </a:lvl1pPr>
-          </a:lstStyle>
-          <a:p>
-            <a:pPr/>
-            <a:r>
-              <a:t>Without Services</a:t>
-            </a:r>
-          </a:p>
-        </p:txBody>
-      </p:sp>
-      <p:sp>
-        <p:nvSpPr>
-          <p:cNvPr id="166" name="Shape 166"/>
-          <p:cNvSpPr/>
-          <p:nvPr/>
-        </p:nvSpPr>
-        <p:spPr>
-          <a:xfrm>
-            <a:off x="387070" y="3733800"/>
-            <a:ext cx="6139869" cy="2286000"/>
-          </a:xfrm>
-          <a:prstGeom prst="rect">
-            <a:avLst/>
-          </a:prstGeom>
-          <a:ln w="12700">
-            <a:miter lim="400000"/>
-          </a:ln>
-          <a:extLst>
-            <a:ext uri="{C572A759-6A51-4108-AA02-DFA0A04FC94B}">
-              <ma14:wrappingTextBoxFlag xmlns:ma14="http://schemas.microsoft.com/office/mac/drawingml/2011/main" val="1"/>
-            </a:ext>
-          </a:extLst>
-        </p:spPr>
-        <p:txBody>
-          <a:bodyPr lIns="50800" tIns="50800" rIns="50800" bIns="50800">
-            <a:spAutoFit/>
-          </a:bodyPr>
-          <a:lstStyle/>
-          <a:p>
-            <a:pPr/>
-            <a:r>
-              <a:t>Skateboard</a:t>
-            </a:r>
-          </a:p>
-          <a:p>
-            <a:pPr marL="421105" indent="-421105" algn="l">
-              <a:buSzPct val="75000"/>
-              <a:buChar char="•"/>
+          <p:cNvPr id="165" name="Service Definition…"/>
+          <p:cNvSpPr txBox="1"/>
+          <p:nvPr>
+            <p:ph type="body" idx="1"/>
+          </p:nvPr>
+        </p:nvSpPr>
+        <p:spPr>
+          <a:prstGeom prst="rect">
+            <a:avLst/>
+          </a:prstGeom>
+        </p:spPr>
+        <p:txBody>
+          <a:bodyPr anchor="t"/>
+          <a:lstStyle/>
+          <a:p>
+            <a:pPr marL="0" indent="0">
+              <a:buSzTx/>
+              <a:buNone/>
             </a:pPr>
             <a:r>
-              <a:t>Make 4 wheels </a:t>
-            </a:r>
-          </a:p>
-          <a:p>
-            <a:pPr marL="421105" indent="-421105" algn="l">
-              <a:buSzPct val="75000"/>
-              <a:buChar char="•"/>
-            </a:pPr>
-            <a:r>
-              <a:t>Attach 2 wheels to 2 axles</a:t>
-            </a:r>
-          </a:p>
-          <a:p>
-            <a:pPr marL="421105" indent="-421105" algn="l">
-              <a:buSzPct val="75000"/>
-              <a:buChar char="•"/>
-            </a:pPr>
-            <a:r>
-              <a:t>Attach 2 axles to body</a:t>
-            </a:r>
-          </a:p>
-        </p:txBody>
-      </p:sp>
-      <p:sp>
-        <p:nvSpPr>
-          <p:cNvPr id="167" name="Shape 167"/>
-          <p:cNvSpPr/>
-          <p:nvPr/>
-        </p:nvSpPr>
-        <p:spPr>
-          <a:xfrm>
-            <a:off x="6610070" y="3733800"/>
-            <a:ext cx="6139869" cy="2286000"/>
-          </a:xfrm>
-          <a:prstGeom prst="rect">
-            <a:avLst/>
-          </a:prstGeom>
-          <a:ln w="12700">
-            <a:miter lim="400000"/>
-          </a:ln>
-          <a:extLst>
-            <a:ext uri="{C572A759-6A51-4108-AA02-DFA0A04FC94B}">
-              <ma14:wrappingTextBoxFlag xmlns:ma14="http://schemas.microsoft.com/office/mac/drawingml/2011/main" val="1"/>
-            </a:ext>
-          </a:extLst>
-        </p:spPr>
-        <p:txBody>
-          <a:bodyPr lIns="50800" tIns="50800" rIns="50800" bIns="50800">
-            <a:spAutoFit/>
-          </a:bodyPr>
-          <a:lstStyle/>
-          <a:p>
-            <a:pPr/>
-            <a:r>
-              <a:t>Wagon</a:t>
-            </a:r>
-          </a:p>
-          <a:p>
-            <a:pPr marL="421105" indent="-421105" algn="l">
-              <a:buSzPct val="75000"/>
-              <a:buChar char="•"/>
-            </a:pPr>
-            <a:r>
-              <a:t>Make 4 wheels </a:t>
-            </a:r>
-          </a:p>
-          <a:p>
-            <a:pPr marL="421105" indent="-421105" algn="l">
-              <a:buSzPct val="75000"/>
-              <a:buChar char="•"/>
-            </a:pPr>
-            <a:r>
-              <a:t>Attach 2 wheels to 2 axles</a:t>
-            </a:r>
-          </a:p>
-          <a:p>
-            <a:pPr marL="421105" indent="-421105" algn="l">
-              <a:buSzPct val="75000"/>
-              <a:buChar char="•"/>
-            </a:pPr>
-            <a:r>
-              <a:t>Attach 2 axles to body</a:t>
-            </a:r>
-          </a:p>
-        </p:txBody>
-      </p:sp>
-      <p:sp>
-        <p:nvSpPr>
-          <p:cNvPr id="168" name="Shape 168"/>
-          <p:cNvSpPr/>
-          <p:nvPr/>
-        </p:nvSpPr>
-        <p:spPr>
-          <a:xfrm>
-            <a:off x="387070" y="6540500"/>
-            <a:ext cx="6139869" cy="2832100"/>
-          </a:xfrm>
-          <a:prstGeom prst="rect">
-            <a:avLst/>
-          </a:prstGeom>
-          <a:ln w="12700">
-            <a:miter lim="400000"/>
-          </a:ln>
-          <a:extLst>
-            <a:ext uri="{C572A759-6A51-4108-AA02-DFA0A04FC94B}">
-              <ma14:wrappingTextBoxFlag xmlns:ma14="http://schemas.microsoft.com/office/mac/drawingml/2011/main" val="1"/>
-            </a:ext>
-          </a:extLst>
-        </p:spPr>
-        <p:txBody>
-          <a:bodyPr lIns="50800" tIns="50800" rIns="50800" bIns="50800">
-            <a:spAutoFit/>
-          </a:bodyPr>
-          <a:lstStyle/>
-          <a:p>
-            <a:pPr/>
-            <a:r>
-              <a:t>Car</a:t>
-            </a:r>
-          </a:p>
-          <a:p>
-            <a:pPr marL="421105" indent="-421105" algn="l">
-              <a:buSzPct val="75000"/>
-              <a:buChar char="•"/>
-            </a:pPr>
-            <a:r>
-              <a:t>Make 4 wheels </a:t>
-            </a:r>
-          </a:p>
-          <a:p>
-            <a:pPr marL="421105" indent="-421105" algn="l">
-              <a:buSzPct val="75000"/>
-              <a:buChar char="•"/>
-            </a:pPr>
-            <a:r>
-              <a:t>Attach 2 wheels to 1 axle</a:t>
-            </a:r>
-          </a:p>
-          <a:p>
-            <a:pPr marL="421105" indent="-421105" algn="l">
-              <a:buSzPct val="75000"/>
-              <a:buChar char="•"/>
-            </a:pPr>
-            <a:r>
-              <a:t>Attach 1 axle to engine</a:t>
-            </a:r>
-          </a:p>
-          <a:p>
-            <a:pPr marL="421105" indent="-421105" algn="l">
-              <a:buSzPct val="75000"/>
-              <a:buChar char="•"/>
-            </a:pPr>
-            <a:r>
-              <a:t>Attach 2 wheels to steering</a:t>
-            </a:r>
-          </a:p>
-        </p:txBody>
-      </p:sp>
-      <p:sp>
-        <p:nvSpPr>
-          <p:cNvPr id="169" name="Shape 169"/>
-          <p:cNvSpPr/>
-          <p:nvPr/>
-        </p:nvSpPr>
-        <p:spPr>
-          <a:xfrm>
-            <a:off x="6610070" y="6540500"/>
-            <a:ext cx="6139869" cy="2286000"/>
-          </a:xfrm>
-          <a:prstGeom prst="rect">
-            <a:avLst/>
-          </a:prstGeom>
-          <a:ln w="12700">
-            <a:miter lim="400000"/>
-          </a:ln>
-          <a:extLst>
-            <a:ext uri="{C572A759-6A51-4108-AA02-DFA0A04FC94B}">
-              <ma14:wrappingTextBoxFlag xmlns:ma14="http://schemas.microsoft.com/office/mac/drawingml/2011/main" val="1"/>
-            </a:ext>
-          </a:extLst>
-        </p:spPr>
-        <p:txBody>
-          <a:bodyPr lIns="50800" tIns="50800" rIns="50800" bIns="50800">
-            <a:spAutoFit/>
-          </a:bodyPr>
-          <a:lstStyle/>
-          <a:p>
-            <a:pPr/>
-            <a:r>
-              <a:t>Motorcycle</a:t>
-            </a:r>
-          </a:p>
-          <a:p>
-            <a:pPr marL="421105" indent="-421105" algn="l">
-              <a:buSzPct val="75000"/>
-              <a:buChar char="•"/>
-            </a:pPr>
-            <a:r>
-              <a:t>Make 2 wheels </a:t>
-            </a:r>
-          </a:p>
-          <a:p>
-            <a:pPr marL="421105" indent="-421105" algn="l">
-              <a:buSzPct val="75000"/>
-              <a:buChar char="•"/>
-            </a:pPr>
-            <a:r>
-              <a:t>Attach 1 wheel to engine</a:t>
-            </a:r>
-          </a:p>
-          <a:p>
-            <a:pPr marL="421105" indent="-421105" algn="l">
-              <a:buSzPct val="75000"/>
-              <a:buChar char="•"/>
-            </a:pPr>
-            <a:r>
-              <a:t>Attach 1 wheel to steering</a:t>
+              <a:t>Service Definition</a:t>
+            </a:r>
+          </a:p>
+          <a:p>
+            <a:pPr/>
+            <a:r>
+              <a:t>A discrete, independent unit of functionality</a:t>
+            </a:r>
+          </a:p>
+          <a:p>
+            <a:pPr/>
+            <a:r>
+              <a:t>A "black box" to its consumers</a:t>
+            </a:r>
+          </a:p>
+          <a:p>
+            <a:pPr/>
+            <a:r>
+              <a:t>Composable with other services</a:t>
             </a:r>
           </a:p>
         </p:txBody>
@@ -4078,8 +3864,8 @@
       </p:grpSpPr>
       <p:sp>
         <p:nvSpPr>
-          <p:cNvPr id="171" name="Shape 171"/>
-          <p:cNvSpPr/>
+          <p:cNvPr id="167" name="Services"/>
+          <p:cNvSpPr txBox="1"/>
           <p:nvPr>
             <p:ph type="title"/>
           </p:nvPr>
@@ -4102,223 +3888,51 @@
       </p:sp>
       <p:sp>
         <p:nvSpPr>
-          <p:cNvPr id="172" name="Shape 172"/>
-          <p:cNvSpPr/>
-          <p:nvPr/>
-        </p:nvSpPr>
-        <p:spPr>
-          <a:xfrm>
-            <a:off x="4648289" y="2374899"/>
-            <a:ext cx="3037409" cy="685801"/>
-          </a:xfrm>
-          <a:prstGeom prst="rect">
-            <a:avLst/>
-          </a:prstGeom>
-          <a:ln w="12700">
-            <a:miter lim="400000"/>
-          </a:ln>
-          <a:extLst>
-            <a:ext uri="{C572A759-6A51-4108-AA02-DFA0A04FC94B}">
-              <ma14:wrappingTextBoxFlag xmlns:ma14="http://schemas.microsoft.com/office/mac/drawingml/2011/main" val="1"/>
-            </a:ext>
-          </a:extLst>
-        </p:spPr>
-        <p:txBody>
-          <a:bodyPr wrap="none" lIns="50800" tIns="50800" rIns="50800" bIns="50800" anchor="ctr">
-            <a:spAutoFit/>
-          </a:bodyPr>
-          <a:lstStyle>
-            <a:lvl1pPr algn="l">
-              <a:spcBef>
-                <a:spcPts val="4200"/>
-              </a:spcBef>
-              <a:defRPr sz="3800"/>
-            </a:lvl1pPr>
-          </a:lstStyle>
-          <a:p>
-            <a:pPr/>
-            <a:r>
-              <a:t>With Services</a:t>
-            </a:r>
-          </a:p>
-        </p:txBody>
-      </p:sp>
-      <p:sp>
-        <p:nvSpPr>
-          <p:cNvPr id="173" name="Shape 173"/>
-          <p:cNvSpPr/>
-          <p:nvPr/>
-        </p:nvSpPr>
-        <p:spPr>
-          <a:xfrm>
-            <a:off x="387070" y="3733800"/>
-            <a:ext cx="6139869" cy="1193800"/>
-          </a:xfrm>
-          <a:prstGeom prst="rect">
-            <a:avLst/>
-          </a:prstGeom>
-          <a:ln w="12700">
-            <a:miter lim="400000"/>
-          </a:ln>
-          <a:extLst>
-            <a:ext uri="{C572A759-6A51-4108-AA02-DFA0A04FC94B}">
-              <ma14:wrappingTextBoxFlag xmlns:ma14="http://schemas.microsoft.com/office/mac/drawingml/2011/main" val="1"/>
-            </a:ext>
-          </a:extLst>
-        </p:spPr>
-        <p:txBody>
-          <a:bodyPr lIns="50800" tIns="50800" rIns="50800" bIns="50800">
-            <a:spAutoFit/>
-          </a:bodyPr>
-          <a:lstStyle/>
-          <a:p>
-            <a:pPr/>
-            <a:r>
-              <a:t>Skateboard</a:t>
-            </a:r>
-          </a:p>
-          <a:p>
-            <a:pPr marL="421105" indent="-421105" algn="l">
-              <a:buSzPct val="75000"/>
-              <a:buChar char="•"/>
+          <p:cNvPr id="168" name="Why Services…"/>
+          <p:cNvSpPr txBox="1"/>
+          <p:nvPr>
+            <p:ph type="body" idx="1"/>
+          </p:nvPr>
+        </p:nvSpPr>
+        <p:spPr>
+          <a:prstGeom prst="rect">
+            <a:avLst/>
+          </a:prstGeom>
+        </p:spPr>
+        <p:txBody>
+          <a:bodyPr anchor="t"/>
+          <a:lstStyle/>
+          <a:p>
+            <a:pPr marL="0" indent="0">
+              <a:buSzTx/>
+              <a:buNone/>
             </a:pPr>
             <a:r>
-              <a:t>makeVehicle( 'skate' )</a:t>
-            </a:r>
-          </a:p>
-        </p:txBody>
-      </p:sp>
-      <p:sp>
-        <p:nvSpPr>
-          <p:cNvPr id="174" name="Shape 174"/>
-          <p:cNvSpPr/>
-          <p:nvPr/>
-        </p:nvSpPr>
-        <p:spPr>
-          <a:xfrm>
-            <a:off x="6610070" y="3733800"/>
-            <a:ext cx="6139869" cy="1193800"/>
-          </a:xfrm>
-          <a:prstGeom prst="rect">
-            <a:avLst/>
-          </a:prstGeom>
-          <a:ln w="12700">
-            <a:miter lim="400000"/>
-          </a:ln>
-          <a:extLst>
-            <a:ext uri="{C572A759-6A51-4108-AA02-DFA0A04FC94B}">
-              <ma14:wrappingTextBoxFlag xmlns:ma14="http://schemas.microsoft.com/office/mac/drawingml/2011/main" val="1"/>
-            </a:ext>
-          </a:extLst>
-        </p:spPr>
-        <p:txBody>
-          <a:bodyPr lIns="50800" tIns="50800" rIns="50800" bIns="50800">
-            <a:spAutoFit/>
-          </a:bodyPr>
-          <a:lstStyle/>
-          <a:p>
-            <a:pPr/>
-            <a:r>
-              <a:t>Wagon</a:t>
-            </a:r>
-          </a:p>
-          <a:p>
-            <a:pPr marL="421105" indent="-421105" algn="l">
-              <a:buSzPct val="75000"/>
-              <a:buChar char="•"/>
-            </a:pPr>
-            <a:r>
-              <a:t>makeVehicle( 'wagon' )</a:t>
-            </a:r>
-          </a:p>
-        </p:txBody>
-      </p:sp>
-      <p:sp>
-        <p:nvSpPr>
-          <p:cNvPr id="175" name="Shape 175"/>
-          <p:cNvSpPr/>
-          <p:nvPr/>
-        </p:nvSpPr>
-        <p:spPr>
-          <a:xfrm>
-            <a:off x="387070" y="6540500"/>
-            <a:ext cx="6139869" cy="1193800"/>
-          </a:xfrm>
-          <a:prstGeom prst="rect">
-            <a:avLst/>
-          </a:prstGeom>
-          <a:ln w="12700">
-            <a:miter lim="400000"/>
-          </a:ln>
-          <a:extLst>
-            <a:ext uri="{C572A759-6A51-4108-AA02-DFA0A04FC94B}">
-              <ma14:wrappingTextBoxFlag xmlns:ma14="http://schemas.microsoft.com/office/mac/drawingml/2011/main" val="1"/>
-            </a:ext>
-          </a:extLst>
-        </p:spPr>
-        <p:txBody>
-          <a:bodyPr lIns="50800" tIns="50800" rIns="50800" bIns="50800">
-            <a:spAutoFit/>
-          </a:bodyPr>
-          <a:lstStyle/>
-          <a:p>
-            <a:pPr/>
-            <a:r>
-              <a:t>Car</a:t>
-            </a:r>
-          </a:p>
-          <a:p>
-            <a:pPr marL="421105" indent="-421105" algn="l">
-              <a:buSzPct val="75000"/>
-              <a:buChar char="•"/>
-            </a:pPr>
-            <a:r>
-              <a:t>makeVehicle( 'auto' )</a:t>
-            </a:r>
-          </a:p>
-        </p:txBody>
-      </p:sp>
-      <p:sp>
-        <p:nvSpPr>
-          <p:cNvPr id="176" name="Shape 176"/>
-          <p:cNvSpPr/>
-          <p:nvPr/>
-        </p:nvSpPr>
-        <p:spPr>
-          <a:xfrm>
-            <a:off x="6610070" y="6540500"/>
-            <a:ext cx="6139869" cy="1193800"/>
-          </a:xfrm>
-          <a:prstGeom prst="rect">
-            <a:avLst/>
-          </a:prstGeom>
-          <a:ln w="12700">
-            <a:miter lim="400000"/>
-          </a:ln>
-          <a:extLst>
-            <a:ext uri="{C572A759-6A51-4108-AA02-DFA0A04FC94B}">
-              <ma14:wrappingTextBoxFlag xmlns:ma14="http://schemas.microsoft.com/office/mac/drawingml/2011/main" val="1"/>
-            </a:ext>
-          </a:extLst>
-        </p:spPr>
-        <p:txBody>
-          <a:bodyPr lIns="50800" tIns="50800" rIns="50800" bIns="50800">
-            <a:spAutoFit/>
-          </a:bodyPr>
-          <a:lstStyle/>
-          <a:p>
-            <a:pPr/>
-            <a:r>
-              <a:t>Motorcycle</a:t>
-            </a:r>
-          </a:p>
-          <a:p>
-            <a:pPr marL="421105" indent="-421105" algn="l">
-              <a:buSzPct val="75000"/>
-              <a:buChar char="•"/>
-            </a:pPr>
-            <a:r>
-              <a:t>makeVehicle( 'moto' )</a:t>
+              <a:t>Why Services</a:t>
+            </a:r>
+          </a:p>
+          <a:p>
+            <a:pPr/>
+            <a:r>
+              <a:t>Single Responsibility Principle / DRY</a:t>
+            </a:r>
+          </a:p>
+          <a:p>
+            <a:pPr/>
+            <a:r>
+              <a:t>Share data and / or behavior across app</a:t>
+            </a:r>
+          </a:p>
+          <a:p>
+            <a:pPr/>
+            <a:r>
+              <a:t>Hide complexity from consumers</a:t>
+            </a:r>
+          </a:p>
+          <a:p>
+            <a:pPr/>
+            <a:r>
+              <a:t>Testing: substitute with a mock object</a:t>
             </a:r>
           </a:p>
         </p:txBody>
@@ -4351,8 +3965,8 @@
       </p:grpSpPr>
       <p:sp>
         <p:nvSpPr>
-          <p:cNvPr id="178" name="Shape 178"/>
-          <p:cNvSpPr/>
+          <p:cNvPr id="170" name="Services"/>
+          <p:cNvSpPr txBox="1"/>
           <p:nvPr>
             <p:ph type="title"/>
           </p:nvPr>
@@ -4368,58 +3982,311 @@
           <a:p>
             <a:pPr/>
             <a:r>
-              <a:t>Lab: Register Service</a:t>
-            </a:r>
-          </a:p>
-        </p:txBody>
-      </p:sp>
-      <p:sp>
-        <p:nvSpPr>
-          <p:cNvPr id="179" name="Shape 179"/>
-          <p:cNvSpPr/>
-          <p:nvPr>
-            <p:ph type="body" idx="1"/>
-          </p:nvPr>
-        </p:nvSpPr>
-        <p:spPr>
-          <a:prstGeom prst="rect">
-            <a:avLst/>
-          </a:prstGeom>
-        </p:spPr>
-        <p:txBody>
-          <a:bodyPr anchor="t"/>
-          <a:lstStyle/>
-          <a:p>
-            <a:pPr marL="0" indent="0">
-              <a:buSzTx/>
-              <a:buNone/>
+              <a:t>Services</a:t>
+            </a:r>
+          </a:p>
+        </p:txBody>
+      </p:sp>
+      <p:sp>
+        <p:nvSpPr>
+          <p:cNvPr id="171" name="Without Services"/>
+          <p:cNvSpPr txBox="1"/>
+          <p:nvPr/>
+        </p:nvSpPr>
+        <p:spPr>
+          <a:xfrm>
+            <a:off x="4648289" y="2374899"/>
+            <a:ext cx="3708223" cy="685801"/>
+          </a:xfrm>
+          <a:prstGeom prst="rect">
+            <a:avLst/>
+          </a:prstGeom>
+          <a:ln w="12700">
+            <a:miter lim="400000"/>
+          </a:ln>
+          <a:extLst>
+            <a:ext uri="{C572A759-6A51-4108-AA02-DFA0A04FC94B}">
+              <ma14:wrappingTextBoxFlag xmlns:ma14="http://schemas.microsoft.com/office/mac/drawingml/2011/main" val="1"/>
+            </a:ext>
+          </a:extLst>
+        </p:spPr>
+        <p:txBody>
+          <a:bodyPr wrap="none" lIns="50800" tIns="50800" rIns="50800" bIns="50800" anchor="ctr">
+            <a:spAutoFit/>
+          </a:bodyPr>
+          <a:lstStyle>
+            <a:lvl1pPr algn="l">
+              <a:spcBef>
+                <a:spcPts val="4200"/>
+              </a:spcBef>
+              <a:defRPr sz="3800"/>
+            </a:lvl1pPr>
+          </a:lstStyle>
+          <a:p>
+            <a:pPr/>
+            <a:r>
+              <a:t>Without Services</a:t>
+            </a:r>
+          </a:p>
+        </p:txBody>
+      </p:sp>
+      <p:sp>
+        <p:nvSpPr>
+          <p:cNvPr id="172" name="Skateboard…"/>
+          <p:cNvSpPr txBox="1"/>
+          <p:nvPr/>
+        </p:nvSpPr>
+        <p:spPr>
+          <a:xfrm>
+            <a:off x="387070" y="3733800"/>
+            <a:ext cx="6139869" cy="2286000"/>
+          </a:xfrm>
+          <a:prstGeom prst="rect">
+            <a:avLst/>
+          </a:prstGeom>
+          <a:ln w="12700">
+            <a:miter lim="400000"/>
+          </a:ln>
+          <a:extLst>
+            <a:ext uri="{C572A759-6A51-4108-AA02-DFA0A04FC94B}">
+              <ma14:wrappingTextBoxFlag xmlns:ma14="http://schemas.microsoft.com/office/mac/drawingml/2011/main" val="1"/>
+            </a:ext>
+          </a:extLst>
+        </p:spPr>
+        <p:txBody>
+          <a:bodyPr lIns="50800" tIns="50800" rIns="50800" bIns="50800">
+            <a:spAutoFit/>
+          </a:bodyPr>
+          <a:lstStyle/>
+          <a:p>
+            <a:pPr/>
+            <a:r>
+              <a:t>Skateboard</a:t>
+            </a:r>
+          </a:p>
+          <a:p>
+            <a:pPr marL="421105" indent="-421105" algn="l">
+              <a:buSzPct val="75000"/>
+              <a:buChar char="•"/>
             </a:pPr>
             <a:r>
-              <a:t>Goal: Songs have to be selected from a list</a:t>
-            </a:r>
-          </a:p>
-          <a:p>
-            <a:pPr/>
-            <a:r>
-              <a:t>Create a new class file, song.service.ts</a:t>
-            </a:r>
-          </a:p>
-          <a:p>
-            <a:pPr/>
-            <a:r>
-              <a:t>Import Injectable from '@angular/core'</a:t>
-            </a:r>
-          </a:p>
-          <a:p>
-            <a:pPr/>
-            <a:r>
-              <a:t>Call @Injectable() </a:t>
-            </a:r>
-          </a:p>
-          <a:p>
-            <a:pPr/>
-            <a:r>
-              <a:t>Add class method to return list of songs</a:t>
+              <a:t>Make 4 wheels </a:t>
+            </a:r>
+          </a:p>
+          <a:p>
+            <a:pPr marL="421105" indent="-421105" algn="l">
+              <a:buSzPct val="75000"/>
+              <a:buChar char="•"/>
+            </a:pPr>
+            <a:r>
+              <a:t>Attach 2 wheels to 2 axles</a:t>
+            </a:r>
+          </a:p>
+          <a:p>
+            <a:pPr marL="421105" indent="-421105" algn="l">
+              <a:buSzPct val="75000"/>
+              <a:buChar char="•"/>
+            </a:pPr>
+            <a:r>
+              <a:t>Attach 2 axles to body</a:t>
+            </a:r>
+          </a:p>
+        </p:txBody>
+      </p:sp>
+      <p:sp>
+        <p:nvSpPr>
+          <p:cNvPr id="173" name="Wagon…"/>
+          <p:cNvSpPr txBox="1"/>
+          <p:nvPr/>
+        </p:nvSpPr>
+        <p:spPr>
+          <a:xfrm>
+            <a:off x="6610070" y="3733800"/>
+            <a:ext cx="6139869" cy="2286000"/>
+          </a:xfrm>
+          <a:prstGeom prst="rect">
+            <a:avLst/>
+          </a:prstGeom>
+          <a:ln w="12700">
+            <a:miter lim="400000"/>
+          </a:ln>
+          <a:extLst>
+            <a:ext uri="{C572A759-6A51-4108-AA02-DFA0A04FC94B}">
+              <ma14:wrappingTextBoxFlag xmlns:ma14="http://schemas.microsoft.com/office/mac/drawingml/2011/main" val="1"/>
+            </a:ext>
+          </a:extLst>
+        </p:spPr>
+        <p:txBody>
+          <a:bodyPr lIns="50800" tIns="50800" rIns="50800" bIns="50800">
+            <a:spAutoFit/>
+          </a:bodyPr>
+          <a:lstStyle/>
+          <a:p>
+            <a:pPr/>
+            <a:r>
+              <a:t>Wagon</a:t>
+            </a:r>
+          </a:p>
+          <a:p>
+            <a:pPr marL="421105" indent="-421105" algn="l">
+              <a:buSzPct val="75000"/>
+              <a:buChar char="•"/>
+            </a:pPr>
+            <a:r>
+              <a:t>Make 4 wheels </a:t>
+            </a:r>
+          </a:p>
+          <a:p>
+            <a:pPr marL="421105" indent="-421105" algn="l">
+              <a:buSzPct val="75000"/>
+              <a:buChar char="•"/>
+            </a:pPr>
+            <a:r>
+              <a:t>Attach 2 wheels to 2 axles</a:t>
+            </a:r>
+          </a:p>
+          <a:p>
+            <a:pPr marL="421105" indent="-421105" algn="l">
+              <a:buSzPct val="75000"/>
+              <a:buChar char="•"/>
+            </a:pPr>
+            <a:r>
+              <a:t>Attach 2 axles to body</a:t>
+            </a:r>
+          </a:p>
+        </p:txBody>
+      </p:sp>
+      <p:sp>
+        <p:nvSpPr>
+          <p:cNvPr id="174" name="Car…"/>
+          <p:cNvSpPr txBox="1"/>
+          <p:nvPr/>
+        </p:nvSpPr>
+        <p:spPr>
+          <a:xfrm>
+            <a:off x="387070" y="6540500"/>
+            <a:ext cx="6139869" cy="2832100"/>
+          </a:xfrm>
+          <a:prstGeom prst="rect">
+            <a:avLst/>
+          </a:prstGeom>
+          <a:ln w="12700">
+            <a:miter lim="400000"/>
+          </a:ln>
+          <a:extLst>
+            <a:ext uri="{C572A759-6A51-4108-AA02-DFA0A04FC94B}">
+              <ma14:wrappingTextBoxFlag xmlns:ma14="http://schemas.microsoft.com/office/mac/drawingml/2011/main" val="1"/>
+            </a:ext>
+          </a:extLst>
+        </p:spPr>
+        <p:txBody>
+          <a:bodyPr lIns="50800" tIns="50800" rIns="50800" bIns="50800">
+            <a:spAutoFit/>
+          </a:bodyPr>
+          <a:lstStyle/>
+          <a:p>
+            <a:pPr/>
+            <a:r>
+              <a:t>Car</a:t>
+            </a:r>
+          </a:p>
+          <a:p>
+            <a:pPr marL="421105" indent="-421105" algn="l">
+              <a:buSzPct val="75000"/>
+              <a:buChar char="•"/>
+            </a:pPr>
+            <a:r>
+              <a:t>Make 4 wheels </a:t>
+            </a:r>
+          </a:p>
+          <a:p>
+            <a:pPr marL="421105" indent="-421105" algn="l">
+              <a:buSzPct val="75000"/>
+              <a:buChar char="•"/>
+            </a:pPr>
+            <a:r>
+              <a:t>Attach 2 wheels to 1 axle</a:t>
+            </a:r>
+          </a:p>
+          <a:p>
+            <a:pPr marL="421105" indent="-421105" algn="l">
+              <a:buSzPct val="75000"/>
+              <a:buChar char="•"/>
+            </a:pPr>
+            <a:r>
+              <a:t>Attach 1 axle to engine</a:t>
+            </a:r>
+          </a:p>
+          <a:p>
+            <a:pPr marL="421105" indent="-421105" algn="l">
+              <a:buSzPct val="75000"/>
+              <a:buChar char="•"/>
+            </a:pPr>
+            <a:r>
+              <a:t>Attach 2 wheels to steering</a:t>
+            </a:r>
+          </a:p>
+        </p:txBody>
+      </p:sp>
+      <p:sp>
+        <p:nvSpPr>
+          <p:cNvPr id="175" name="Motorcycle…"/>
+          <p:cNvSpPr txBox="1"/>
+          <p:nvPr/>
+        </p:nvSpPr>
+        <p:spPr>
+          <a:xfrm>
+            <a:off x="6610070" y="6540500"/>
+            <a:ext cx="6139869" cy="2286000"/>
+          </a:xfrm>
+          <a:prstGeom prst="rect">
+            <a:avLst/>
+          </a:prstGeom>
+          <a:ln w="12700">
+            <a:miter lim="400000"/>
+          </a:ln>
+          <a:extLst>
+            <a:ext uri="{C572A759-6A51-4108-AA02-DFA0A04FC94B}">
+              <ma14:wrappingTextBoxFlag xmlns:ma14="http://schemas.microsoft.com/office/mac/drawingml/2011/main" val="1"/>
+            </a:ext>
+          </a:extLst>
+        </p:spPr>
+        <p:txBody>
+          <a:bodyPr lIns="50800" tIns="50800" rIns="50800" bIns="50800">
+            <a:spAutoFit/>
+          </a:bodyPr>
+          <a:lstStyle/>
+          <a:p>
+            <a:pPr/>
+            <a:r>
+              <a:t>Motorcycle</a:t>
+            </a:r>
+          </a:p>
+          <a:p>
+            <a:pPr marL="421105" indent="-421105" algn="l">
+              <a:buSzPct val="75000"/>
+              <a:buChar char="•"/>
+            </a:pPr>
+            <a:r>
+              <a:t>Make 2 wheels </a:t>
+            </a:r>
+          </a:p>
+          <a:p>
+            <a:pPr marL="421105" indent="-421105" algn="l">
+              <a:buSzPct val="75000"/>
+              <a:buChar char="•"/>
+            </a:pPr>
+            <a:r>
+              <a:t>Attach 1 wheel to engine</a:t>
+            </a:r>
+          </a:p>
+          <a:p>
+            <a:pPr marL="421105" indent="-421105" algn="l">
+              <a:buSzPct val="75000"/>
+              <a:buChar char="•"/>
+            </a:pPr>
+            <a:r>
+              <a:t>Attach 1 wheel to steering</a:t>
             </a:r>
           </a:p>
         </p:txBody>
@@ -4452,8 +4319,8 @@
       </p:grpSpPr>
       <p:sp>
         <p:nvSpPr>
-          <p:cNvPr id="181" name="Shape 181"/>
-          <p:cNvSpPr/>
+          <p:cNvPr id="177" name="Services"/>
+          <p:cNvSpPr txBox="1"/>
           <p:nvPr>
             <p:ph type="title"/>
           </p:nvPr>
@@ -4476,45 +4343,223 @@
       </p:sp>
       <p:sp>
         <p:nvSpPr>
-          <p:cNvPr id="182" name="Shape 182"/>
-          <p:cNvSpPr/>
-          <p:nvPr>
-            <p:ph type="body" idx="1"/>
-          </p:nvPr>
-        </p:nvSpPr>
-        <p:spPr>
-          <a:prstGeom prst="rect">
-            <a:avLst/>
-          </a:prstGeom>
-        </p:spPr>
-        <p:txBody>
-          <a:bodyPr anchor="t"/>
-          <a:lstStyle/>
-          <a:p>
-            <a:pPr marL="0" indent="0">
-              <a:buSzTx/>
-              <a:buNone/>
+          <p:cNvPr id="178" name="With Services"/>
+          <p:cNvSpPr txBox="1"/>
+          <p:nvPr/>
+        </p:nvSpPr>
+        <p:spPr>
+          <a:xfrm>
+            <a:off x="4648289" y="2374899"/>
+            <a:ext cx="3037409" cy="685801"/>
+          </a:xfrm>
+          <a:prstGeom prst="rect">
+            <a:avLst/>
+          </a:prstGeom>
+          <a:ln w="12700">
+            <a:miter lim="400000"/>
+          </a:ln>
+          <a:extLst>
+            <a:ext uri="{C572A759-6A51-4108-AA02-DFA0A04FC94B}">
+              <ma14:wrappingTextBoxFlag xmlns:ma14="http://schemas.microsoft.com/office/mac/drawingml/2011/main" val="1"/>
+            </a:ext>
+          </a:extLst>
+        </p:spPr>
+        <p:txBody>
+          <a:bodyPr wrap="none" lIns="50800" tIns="50800" rIns="50800" bIns="50800" anchor="ctr">
+            <a:spAutoFit/>
+          </a:bodyPr>
+          <a:lstStyle>
+            <a:lvl1pPr algn="l">
+              <a:spcBef>
+                <a:spcPts val="4200"/>
+              </a:spcBef>
+              <a:defRPr sz="3800"/>
+            </a:lvl1pPr>
+          </a:lstStyle>
+          <a:p>
+            <a:pPr/>
+            <a:r>
+              <a:t>With Services</a:t>
+            </a:r>
+          </a:p>
+        </p:txBody>
+      </p:sp>
+      <p:sp>
+        <p:nvSpPr>
+          <p:cNvPr id="179" name="Skateboard…"/>
+          <p:cNvSpPr txBox="1"/>
+          <p:nvPr/>
+        </p:nvSpPr>
+        <p:spPr>
+          <a:xfrm>
+            <a:off x="387070" y="3733800"/>
+            <a:ext cx="6139869" cy="1193800"/>
+          </a:xfrm>
+          <a:prstGeom prst="rect">
+            <a:avLst/>
+          </a:prstGeom>
+          <a:ln w="12700">
+            <a:miter lim="400000"/>
+          </a:ln>
+          <a:extLst>
+            <a:ext uri="{C572A759-6A51-4108-AA02-DFA0A04FC94B}">
+              <ma14:wrappingTextBoxFlag xmlns:ma14="http://schemas.microsoft.com/office/mac/drawingml/2011/main" val="1"/>
+            </a:ext>
+          </a:extLst>
+        </p:spPr>
+        <p:txBody>
+          <a:bodyPr lIns="50800" tIns="50800" rIns="50800" bIns="50800">
+            <a:spAutoFit/>
+          </a:bodyPr>
+          <a:lstStyle/>
+          <a:p>
+            <a:pPr/>
+            <a:r>
+              <a:t>Skateboard</a:t>
+            </a:r>
+          </a:p>
+          <a:p>
+            <a:pPr marL="421105" indent="-421105" algn="l">
+              <a:buSzPct val="75000"/>
+              <a:buChar char="•"/>
             </a:pPr>
             <a:r>
-              <a:t>Consuming Services - Dependency Injection (DI)</a:t>
-            </a:r>
-          </a:p>
-          <a:p>
-            <a:pPr/>
-            <a:r>
-              <a:t>DI is the consuming side of Services</a:t>
-            </a:r>
-          </a:p>
-          <a:p>
-            <a:pPr/>
-            <a:r>
-              <a:t>Angular knows names of registered Services</a:t>
-            </a:r>
-          </a:p>
-          <a:p>
-            <a:pPr/>
-            <a:r>
-              <a:t>Component can simply ask for services it needs</a:t>
+              <a:t>makeVehicle( 'skate' )</a:t>
+            </a:r>
+          </a:p>
+        </p:txBody>
+      </p:sp>
+      <p:sp>
+        <p:nvSpPr>
+          <p:cNvPr id="180" name="Wagon…"/>
+          <p:cNvSpPr txBox="1"/>
+          <p:nvPr/>
+        </p:nvSpPr>
+        <p:spPr>
+          <a:xfrm>
+            <a:off x="6610070" y="3733800"/>
+            <a:ext cx="6139869" cy="1193800"/>
+          </a:xfrm>
+          <a:prstGeom prst="rect">
+            <a:avLst/>
+          </a:prstGeom>
+          <a:ln w="12700">
+            <a:miter lim="400000"/>
+          </a:ln>
+          <a:extLst>
+            <a:ext uri="{C572A759-6A51-4108-AA02-DFA0A04FC94B}">
+              <ma14:wrappingTextBoxFlag xmlns:ma14="http://schemas.microsoft.com/office/mac/drawingml/2011/main" val="1"/>
+            </a:ext>
+          </a:extLst>
+        </p:spPr>
+        <p:txBody>
+          <a:bodyPr lIns="50800" tIns="50800" rIns="50800" bIns="50800">
+            <a:spAutoFit/>
+          </a:bodyPr>
+          <a:lstStyle/>
+          <a:p>
+            <a:pPr/>
+            <a:r>
+              <a:t>Wagon</a:t>
+            </a:r>
+          </a:p>
+          <a:p>
+            <a:pPr marL="421105" indent="-421105" algn="l">
+              <a:buSzPct val="75000"/>
+              <a:buChar char="•"/>
+            </a:pPr>
+            <a:r>
+              <a:t>makeVehicle( 'wagon' )</a:t>
+            </a:r>
+          </a:p>
+        </p:txBody>
+      </p:sp>
+      <p:sp>
+        <p:nvSpPr>
+          <p:cNvPr id="181" name="Car…"/>
+          <p:cNvSpPr txBox="1"/>
+          <p:nvPr/>
+        </p:nvSpPr>
+        <p:spPr>
+          <a:xfrm>
+            <a:off x="387070" y="6540500"/>
+            <a:ext cx="6139869" cy="1193800"/>
+          </a:xfrm>
+          <a:prstGeom prst="rect">
+            <a:avLst/>
+          </a:prstGeom>
+          <a:ln w="12700">
+            <a:miter lim="400000"/>
+          </a:ln>
+          <a:extLst>
+            <a:ext uri="{C572A759-6A51-4108-AA02-DFA0A04FC94B}">
+              <ma14:wrappingTextBoxFlag xmlns:ma14="http://schemas.microsoft.com/office/mac/drawingml/2011/main" val="1"/>
+            </a:ext>
+          </a:extLst>
+        </p:spPr>
+        <p:txBody>
+          <a:bodyPr lIns="50800" tIns="50800" rIns="50800" bIns="50800">
+            <a:spAutoFit/>
+          </a:bodyPr>
+          <a:lstStyle/>
+          <a:p>
+            <a:pPr/>
+            <a:r>
+              <a:t>Car</a:t>
+            </a:r>
+          </a:p>
+          <a:p>
+            <a:pPr marL="421105" indent="-421105" algn="l">
+              <a:buSzPct val="75000"/>
+              <a:buChar char="•"/>
+            </a:pPr>
+            <a:r>
+              <a:t>makeVehicle( 'auto' )</a:t>
+            </a:r>
+          </a:p>
+        </p:txBody>
+      </p:sp>
+      <p:sp>
+        <p:nvSpPr>
+          <p:cNvPr id="182" name="Motorcycle…"/>
+          <p:cNvSpPr txBox="1"/>
+          <p:nvPr/>
+        </p:nvSpPr>
+        <p:spPr>
+          <a:xfrm>
+            <a:off x="6610070" y="6540500"/>
+            <a:ext cx="6139869" cy="1193800"/>
+          </a:xfrm>
+          <a:prstGeom prst="rect">
+            <a:avLst/>
+          </a:prstGeom>
+          <a:ln w="12700">
+            <a:miter lim="400000"/>
+          </a:ln>
+          <a:extLst>
+            <a:ext uri="{C572A759-6A51-4108-AA02-DFA0A04FC94B}">
+              <ma14:wrappingTextBoxFlag xmlns:ma14="http://schemas.microsoft.com/office/mac/drawingml/2011/main" val="1"/>
+            </a:ext>
+          </a:extLst>
+        </p:spPr>
+        <p:txBody>
+          <a:bodyPr lIns="50800" tIns="50800" rIns="50800" bIns="50800">
+            <a:spAutoFit/>
+          </a:bodyPr>
+          <a:lstStyle/>
+          <a:p>
+            <a:pPr/>
+            <a:r>
+              <a:t>Motorcycle</a:t>
+            </a:r>
+          </a:p>
+          <a:p>
+            <a:pPr marL="421105" indent="-421105" algn="l">
+              <a:buSzPct val="75000"/>
+              <a:buChar char="•"/>
+            </a:pPr>
+            <a:r>
+              <a:t>makeVehicle( 'moto' )</a:t>
             </a:r>
           </a:p>
         </p:txBody>
@@ -4547,8 +4592,8 @@
       </p:grpSpPr>
       <p:sp>
         <p:nvSpPr>
-          <p:cNvPr id="122" name="Shape 122"/>
-          <p:cNvSpPr/>
+          <p:cNvPr id="122" name="Day 3 Schedule"/>
+          <p:cNvSpPr txBox="1"/>
           <p:nvPr>
             <p:ph type="title"/>
           </p:nvPr>
@@ -4571,8 +4616,8 @@
       </p:sp>
       <p:sp>
         <p:nvSpPr>
-          <p:cNvPr id="123" name="Shape 123"/>
-          <p:cNvSpPr/>
+          <p:cNvPr id="123" name="Directives…"/>
+          <p:cNvSpPr txBox="1"/>
           <p:nvPr>
             <p:ph type="body" idx="1"/>
           </p:nvPr>
@@ -4645,8 +4690,8 @@
       </p:grpSpPr>
       <p:sp>
         <p:nvSpPr>
-          <p:cNvPr id="184" name="Shape 184"/>
-          <p:cNvSpPr/>
+          <p:cNvPr id="184" name="Lab: Register Service"/>
+          <p:cNvSpPr txBox="1"/>
           <p:nvPr>
             <p:ph type="title"/>
           </p:nvPr>
@@ -4662,15 +4707,15 @@
           <a:p>
             <a:pPr/>
             <a:r>
-              <a:t>Services</a:t>
-            </a:r>
-          </a:p>
-        </p:txBody>
-      </p:sp>
-      <p:sp>
-        <p:nvSpPr>
-          <p:cNvPr id="185" name="Shape 185"/>
-          <p:cNvSpPr/>
+              <a:t>Lab: Register Service</a:t>
+            </a:r>
+          </a:p>
+        </p:txBody>
+      </p:sp>
+      <p:sp>
+        <p:nvSpPr>
+          <p:cNvPr id="185" name="Goal: Songs have to be selected from a list…"/>
+          <p:cNvSpPr txBox="1"/>
           <p:nvPr>
             <p:ph type="body" idx="1"/>
           </p:nvPr>
@@ -4689,25 +4734,31 @@
               <a:buNone/>
             </a:pPr>
             <a:r>
-              <a:t>Three steps to inject a service</a:t>
-            </a:r>
-          </a:p>
-          <a:p>
-            <a:pPr/>
-            <a:r>
-              <a:t>Import the class from the module</a:t>
-            </a:r>
-          </a:p>
-          <a:p>
-            <a:pPr/>
-            <a:r>
-              <a:t>Add to 'providers' array of @Component</a:t>
-            </a:r>
-          </a:p>
-          <a:p>
-            <a:pPr/>
-            <a:r>
-              <a:t>Reference the service in the constructor</a:t>
+              <a:t>Goal: Songs have to be selected from a list</a:t>
+            </a:r>
+          </a:p>
+          <a:p>
+            <a:pPr/>
+            <a:r>
+              <a:t>Create a new class file, song.service.ts</a:t>
+            </a:r>
+          </a:p>
+          <a:p>
+            <a:pPr/>
+            <a:r>
+              <a:t>Import Injectable from '@angular/core'</a:t>
+            </a:r>
+          </a:p>
+          <a:p>
+            <a:pPr/>
+            <a:r>
+              <a:t>Call @Injectable() </a:t>
+            </a:r>
+          </a:p>
+          <a:p>
+            <a:pPr/>
+            <a:r>
+              <a:t>Add class method to return list of songs</a:t>
             </a:r>
           </a:p>
         </p:txBody>
@@ -4740,8 +4791,8 @@
       </p:grpSpPr>
       <p:sp>
         <p:nvSpPr>
-          <p:cNvPr id="187" name="Shape 187"/>
-          <p:cNvSpPr/>
+          <p:cNvPr id="187" name="Services"/>
+          <p:cNvSpPr txBox="1"/>
           <p:nvPr>
             <p:ph type="title"/>
           </p:nvPr>
@@ -4764,8 +4815,198 @@
       </p:sp>
       <p:sp>
         <p:nvSpPr>
-          <p:cNvPr id="188" name="Shape 188"/>
-          <p:cNvSpPr/>
+          <p:cNvPr id="188" name="Consuming Services - Dependency Injection (DI)…"/>
+          <p:cNvSpPr txBox="1"/>
+          <p:nvPr>
+            <p:ph type="body" idx="1"/>
+          </p:nvPr>
+        </p:nvSpPr>
+        <p:spPr>
+          <a:prstGeom prst="rect">
+            <a:avLst/>
+          </a:prstGeom>
+        </p:spPr>
+        <p:txBody>
+          <a:bodyPr anchor="t"/>
+          <a:lstStyle/>
+          <a:p>
+            <a:pPr marL="0" indent="0">
+              <a:buSzTx/>
+              <a:buNone/>
+            </a:pPr>
+            <a:r>
+              <a:t>Consuming Services - Dependency Injection (DI)</a:t>
+            </a:r>
+          </a:p>
+          <a:p>
+            <a:pPr/>
+            <a:r>
+              <a:t>DI is the consuming side of Services</a:t>
+            </a:r>
+          </a:p>
+          <a:p>
+            <a:pPr/>
+            <a:r>
+              <a:t>Angular knows names of registered Services</a:t>
+            </a:r>
+          </a:p>
+          <a:p>
+            <a:pPr/>
+            <a:r>
+              <a:t>Component can simply ask for services it needs</a:t>
+            </a:r>
+          </a:p>
+        </p:txBody>
+      </p:sp>
+    </p:spTree>
+  </p:cSld>
+  <p:clrMapOvr>
+    <a:masterClrMapping/>
+  </p:clrMapOvr>
+  <p:transition xmlns:p14="http://schemas.microsoft.com/office/powerpoint/2010/main" spd="med" advClick="1"/>
+</p:sld>
+</file>
+
+<file path=ppt/slides/slide22.xml><?xml version="1.0" encoding="utf-8"?>
+<p:sld xmlns:a="http://schemas.openxmlformats.org/drawingml/2006/main" xmlns:r="http://schemas.openxmlformats.org/officeDocument/2006/relationships" xmlns:p="http://schemas.openxmlformats.org/presentationml/2006/main" showMasterSp="1" showMasterPhAnim="1">
+  <p:cSld>
+    <p:spTree>
+      <p:nvGrpSpPr>
+        <p:cNvPr id="1" name=""/>
+        <p:cNvGrpSpPr/>
+        <p:nvPr/>
+      </p:nvGrpSpPr>
+      <p:grpSpPr>
+        <a:xfrm>
+          <a:off x="0" y="0"/>
+          <a:ext cx="0" cy="0"/>
+          <a:chOff x="0" y="0"/>
+          <a:chExt cx="0" cy="0"/>
+        </a:xfrm>
+      </p:grpSpPr>
+      <p:sp>
+        <p:nvSpPr>
+          <p:cNvPr id="190" name="Services"/>
+          <p:cNvSpPr txBox="1"/>
+          <p:nvPr>
+            <p:ph type="title"/>
+          </p:nvPr>
+        </p:nvSpPr>
+        <p:spPr>
+          <a:prstGeom prst="rect">
+            <a:avLst/>
+          </a:prstGeom>
+        </p:spPr>
+        <p:txBody>
+          <a:bodyPr/>
+          <a:lstStyle/>
+          <a:p>
+            <a:pPr/>
+            <a:r>
+              <a:t>Services</a:t>
+            </a:r>
+          </a:p>
+        </p:txBody>
+      </p:sp>
+      <p:sp>
+        <p:nvSpPr>
+          <p:cNvPr id="191" name="Three steps to inject a service…"/>
+          <p:cNvSpPr txBox="1"/>
+          <p:nvPr>
+            <p:ph type="body" idx="1"/>
+          </p:nvPr>
+        </p:nvSpPr>
+        <p:spPr>
+          <a:prstGeom prst="rect">
+            <a:avLst/>
+          </a:prstGeom>
+        </p:spPr>
+        <p:txBody>
+          <a:bodyPr anchor="t"/>
+          <a:lstStyle/>
+          <a:p>
+            <a:pPr marL="0" indent="0">
+              <a:buSzTx/>
+              <a:buNone/>
+            </a:pPr>
+            <a:r>
+              <a:t>Three steps to inject a service</a:t>
+            </a:r>
+          </a:p>
+          <a:p>
+            <a:pPr/>
+            <a:r>
+              <a:t>Import the class from the module</a:t>
+            </a:r>
+          </a:p>
+          <a:p>
+            <a:pPr/>
+            <a:r>
+              <a:t>Add to 'providers' array of @Component</a:t>
+            </a:r>
+          </a:p>
+          <a:p>
+            <a:pPr/>
+            <a:r>
+              <a:t>Reference the service in the constructor</a:t>
+            </a:r>
+          </a:p>
+        </p:txBody>
+      </p:sp>
+    </p:spTree>
+  </p:cSld>
+  <p:clrMapOvr>
+    <a:masterClrMapping/>
+  </p:clrMapOvr>
+  <p:transition xmlns:p14="http://schemas.microsoft.com/office/powerpoint/2010/main" spd="med" advClick="1"/>
+</p:sld>
+</file>
+
+<file path=ppt/slides/slide23.xml><?xml version="1.0" encoding="utf-8"?>
+<p:sld xmlns:a="http://schemas.openxmlformats.org/drawingml/2006/main" xmlns:r="http://schemas.openxmlformats.org/officeDocument/2006/relationships" xmlns:p="http://schemas.openxmlformats.org/presentationml/2006/main" showMasterSp="1" showMasterPhAnim="1">
+  <p:cSld>
+    <p:spTree>
+      <p:nvGrpSpPr>
+        <p:cNvPr id="1" name=""/>
+        <p:cNvGrpSpPr/>
+        <p:nvPr/>
+      </p:nvGrpSpPr>
+      <p:grpSpPr>
+        <a:xfrm>
+          <a:off x="0" y="0"/>
+          <a:ext cx="0" cy="0"/>
+          <a:chOff x="0" y="0"/>
+          <a:chExt cx="0" cy="0"/>
+        </a:xfrm>
+      </p:grpSpPr>
+      <p:sp>
+        <p:nvSpPr>
+          <p:cNvPr id="193" name="Services"/>
+          <p:cNvSpPr txBox="1"/>
+          <p:nvPr>
+            <p:ph type="title"/>
+          </p:nvPr>
+        </p:nvSpPr>
+        <p:spPr>
+          <a:prstGeom prst="rect">
+            <a:avLst/>
+          </a:prstGeom>
+        </p:spPr>
+        <p:txBody>
+          <a:bodyPr/>
+          <a:lstStyle/>
+          <a:p>
+            <a:pPr/>
+            <a:r>
+              <a:t>Services</a:t>
+            </a:r>
+          </a:p>
+        </p:txBody>
+      </p:sp>
+      <p:sp>
+        <p:nvSpPr>
+          <p:cNvPr id="194" name="import { Component, Input } from '@angular/core';…"/>
+          <p:cNvSpPr txBox="1"/>
           <p:nvPr>
             <p:ph type="body" idx="1"/>
           </p:nvPr>
@@ -5689,7 +5930,7 @@
       </p:sp>
       <p:sp>
         <p:nvSpPr>
-          <p:cNvPr id="189" name="Shape 189"/>
+          <p:cNvPr id="195" name="Line"/>
           <p:cNvSpPr/>
           <p:nvPr/>
         </p:nvSpPr>
@@ -5721,7 +5962,7 @@
       </p:sp>
       <p:sp>
         <p:nvSpPr>
-          <p:cNvPr id="190" name="Shape 190"/>
+          <p:cNvPr id="196" name="Line"/>
           <p:cNvSpPr/>
           <p:nvPr/>
         </p:nvSpPr>
@@ -5753,7 +5994,7 @@
       </p:sp>
       <p:sp>
         <p:nvSpPr>
-          <p:cNvPr id="191" name="Shape 191"/>
+          <p:cNvPr id="197" name="Line"/>
           <p:cNvSpPr/>
           <p:nvPr/>
         </p:nvSpPr>
@@ -5785,8 +6026,8 @@
       </p:sp>
       <p:sp>
         <p:nvSpPr>
-          <p:cNvPr id="192" name="Shape 192"/>
-          <p:cNvSpPr/>
+          <p:cNvPr id="198" name="Note object, not string"/>
+          <p:cNvSpPr txBox="1"/>
           <p:nvPr/>
         </p:nvSpPr>
         <p:spPr>
@@ -5821,8 +6062,8 @@
       </p:sp>
       <p:sp>
         <p:nvSpPr>
-          <p:cNvPr id="193" name="Shape 193"/>
-          <p:cNvSpPr/>
+          <p:cNvPr id="199" name="First element == local name"/>
+          <p:cNvSpPr txBox="1"/>
           <p:nvPr/>
         </p:nvSpPr>
         <p:spPr>
@@ -5864,7 +6105,7 @@
 </p:sld>
 </file>
 
-<file path=ppt/slides/slide22.xml><?xml version="1.0" encoding="utf-8"?>
+<file path=ppt/slides/slide24.xml><?xml version="1.0" encoding="utf-8"?>
 <p:sld xmlns:a="http://schemas.openxmlformats.org/drawingml/2006/main" xmlns:r="http://schemas.openxmlformats.org/officeDocument/2006/relationships" xmlns:p="http://schemas.openxmlformats.org/presentationml/2006/main" showMasterSp="1" showMasterPhAnim="1">
   <p:cSld>
     <p:spTree>
@@ -5883,8 +6124,8 @@
       </p:grpSpPr>
       <p:sp>
         <p:nvSpPr>
-          <p:cNvPr id="195" name="Shape 195"/>
-          <p:cNvSpPr/>
+          <p:cNvPr id="201" name="Lab: Inject Service"/>
+          <p:cNvSpPr txBox="1"/>
           <p:nvPr>
             <p:ph type="title"/>
           </p:nvPr>
@@ -5907,8 +6148,8 @@
       </p:sp>
       <p:sp>
         <p:nvSpPr>
-          <p:cNvPr id="196" name="Shape 196"/>
-          <p:cNvSpPr/>
+          <p:cNvPr id="202" name="Three steps to inject a service…"/>
+          <p:cNvSpPr txBox="1"/>
           <p:nvPr>
             <p:ph type="body" idx="1"/>
           </p:nvPr>
@@ -5946,6 +6187,199 @@
             <a:pPr/>
             <a:r>
               <a:t>Reference the service in the constructor</a:t>
+            </a:r>
+          </a:p>
+        </p:txBody>
+      </p:sp>
+    </p:spTree>
+  </p:cSld>
+  <p:clrMapOvr>
+    <a:masterClrMapping/>
+  </p:clrMapOvr>
+  <p:transition xmlns:p14="http://schemas.microsoft.com/office/powerpoint/2010/main" spd="med" advClick="1"/>
+</p:sld>
+</file>
+
+<file path=ppt/slides/slide25.xml><?xml version="1.0" encoding="utf-8"?>
+<p:sld xmlns:a="http://schemas.openxmlformats.org/drawingml/2006/main" xmlns:r="http://schemas.openxmlformats.org/officeDocument/2006/relationships" xmlns:p="http://schemas.openxmlformats.org/presentationml/2006/main" showMasterSp="1" showMasterPhAnim="1">
+  <p:cSld>
+    <p:spTree>
+      <p:nvGrpSpPr>
+        <p:cNvPr id="1" name=""/>
+        <p:cNvGrpSpPr/>
+        <p:nvPr/>
+      </p:nvGrpSpPr>
+      <p:grpSpPr>
+        <a:xfrm>
+          <a:off x="0" y="0"/>
+          <a:ext cx="0" cy="0"/>
+          <a:chOff x="0" y="0"/>
+          <a:chExt cx="0" cy="0"/>
+        </a:xfrm>
+      </p:grpSpPr>
+      <p:sp>
+        <p:nvSpPr>
+          <p:cNvPr id="204" name="Services"/>
+          <p:cNvSpPr txBox="1"/>
+          <p:nvPr>
+            <p:ph type="title"/>
+          </p:nvPr>
+        </p:nvSpPr>
+        <p:spPr>
+          <a:prstGeom prst="rect">
+            <a:avLst/>
+          </a:prstGeom>
+        </p:spPr>
+        <p:txBody>
+          <a:bodyPr/>
+          <a:lstStyle/>
+          <a:p>
+            <a:pPr/>
+            <a:r>
+              <a:t>Services</a:t>
+            </a:r>
+          </a:p>
+        </p:txBody>
+      </p:sp>
+      <p:sp>
+        <p:nvSpPr>
+          <p:cNvPr id="205" name="Hierarchical Services…"/>
+          <p:cNvSpPr txBox="1"/>
+          <p:nvPr>
+            <p:ph type="body" idx="1"/>
+          </p:nvPr>
+        </p:nvSpPr>
+        <p:spPr>
+          <a:prstGeom prst="rect">
+            <a:avLst/>
+          </a:prstGeom>
+        </p:spPr>
+        <p:txBody>
+          <a:bodyPr anchor="t"/>
+          <a:lstStyle/>
+          <a:p>
+            <a:pPr marL="0" indent="0">
+              <a:buSzTx/>
+              <a:buNone/>
+            </a:pPr>
+            <a:r>
+              <a:t>Hierarchical Services</a:t>
+            </a:r>
+          </a:p>
+          <a:p>
+            <a:pPr/>
+            <a:r>
+              <a:t>Angular creates services at the level defined</a:t>
+            </a:r>
+          </a:p>
+          <a:p>
+            <a:pPr/>
+            <a:r>
+              <a:t>Previous example creates service per component</a:t>
+            </a:r>
+          </a:p>
+          <a:p>
+            <a:pPr/>
+            <a:r>
+              <a:t>Maybe we want to share service across multiple components</a:t>
+            </a:r>
+          </a:p>
+        </p:txBody>
+      </p:sp>
+    </p:spTree>
+  </p:cSld>
+  <p:clrMapOvr>
+    <a:masterClrMapping/>
+  </p:clrMapOvr>
+  <p:transition xmlns:p14="http://schemas.microsoft.com/office/powerpoint/2010/main" spd="med" advClick="1"/>
+</p:sld>
+</file>
+
+<file path=ppt/slides/slide26.xml><?xml version="1.0" encoding="utf-8"?>
+<p:sld xmlns:a="http://schemas.openxmlformats.org/drawingml/2006/main" xmlns:r="http://schemas.openxmlformats.org/officeDocument/2006/relationships" xmlns:p="http://schemas.openxmlformats.org/presentationml/2006/main" showMasterSp="1" showMasterPhAnim="1">
+  <p:cSld>
+    <p:spTree>
+      <p:nvGrpSpPr>
+        <p:cNvPr id="1" name=""/>
+        <p:cNvGrpSpPr/>
+        <p:nvPr/>
+      </p:nvGrpSpPr>
+      <p:grpSpPr>
+        <a:xfrm>
+          <a:off x="0" y="0"/>
+          <a:ext cx="0" cy="0"/>
+          <a:chOff x="0" y="0"/>
+          <a:chExt cx="0" cy="0"/>
+        </a:xfrm>
+      </p:grpSpPr>
+      <p:sp>
+        <p:nvSpPr>
+          <p:cNvPr id="207" name="Lab: Hierarchy"/>
+          <p:cNvSpPr txBox="1"/>
+          <p:nvPr>
+            <p:ph type="title"/>
+          </p:nvPr>
+        </p:nvSpPr>
+        <p:spPr>
+          <a:prstGeom prst="rect">
+            <a:avLst/>
+          </a:prstGeom>
+        </p:spPr>
+        <p:txBody>
+          <a:bodyPr/>
+          <a:lstStyle/>
+          <a:p>
+            <a:pPr/>
+            <a:r>
+              <a:t>Lab: Hierarchy</a:t>
+            </a:r>
+          </a:p>
+        </p:txBody>
+      </p:sp>
+      <p:sp>
+        <p:nvSpPr>
+          <p:cNvPr id="208" name="Modify SongService - add ability to edit song name…"/>
+          <p:cNvSpPr txBox="1"/>
+          <p:nvPr>
+            <p:ph type="body" idx="1"/>
+          </p:nvPr>
+        </p:nvSpPr>
+        <p:spPr>
+          <a:prstGeom prst="rect">
+            <a:avLst/>
+          </a:prstGeom>
+        </p:spPr>
+        <p:txBody>
+          <a:bodyPr anchor="t"/>
+          <a:lstStyle/>
+          <a:p>
+            <a:pPr/>
+            <a:r>
+              <a:t>Modify SongService - add ability to edit song name</a:t>
+            </a:r>
+          </a:p>
+          <a:p>
+            <a:pPr/>
+            <a:r>
+              <a:t>Declare service at different levels</a:t>
+            </a:r>
+          </a:p>
+          <a:p>
+            <a:pPr lvl="1"/>
+            <a:r>
+              <a:t>app.module</a:t>
+            </a:r>
+          </a:p>
+          <a:p>
+            <a:pPr lvl="1"/>
+            <a:r>
+              <a:t>app.component</a:t>
+            </a:r>
+          </a:p>
+          <a:p>
+            <a:pPr/>
+            <a:r>
+              <a:t>Examine different behaviors </a:t>
             </a:r>
           </a:p>
         </p:txBody>
@@ -5978,8 +6412,8 @@
       </p:grpSpPr>
       <p:sp>
         <p:nvSpPr>
-          <p:cNvPr id="125" name="Shape 125"/>
-          <p:cNvSpPr/>
+          <p:cNvPr id="125" name="Directives"/>
+          <p:cNvSpPr txBox="1"/>
           <p:nvPr>
             <p:ph type="title"/>
           </p:nvPr>
@@ -6002,8 +6436,8 @@
       </p:sp>
       <p:sp>
         <p:nvSpPr>
-          <p:cNvPr id="126" name="Shape 126"/>
-          <p:cNvSpPr/>
+          <p:cNvPr id="126" name="What is a Directive?…"/>
+          <p:cNvSpPr txBox="1"/>
           <p:nvPr>
             <p:ph type="body" idx="1"/>
           </p:nvPr>
@@ -6085,8 +6519,8 @@
       </p:grpSpPr>
       <p:sp>
         <p:nvSpPr>
-          <p:cNvPr id="128" name="Shape 128"/>
-          <p:cNvSpPr/>
+          <p:cNvPr id="128" name="Directives"/>
+          <p:cNvSpPr txBox="1"/>
           <p:nvPr>
             <p:ph type="title"/>
           </p:nvPr>
@@ -6109,8 +6543,8 @@
       </p:sp>
       <p:sp>
         <p:nvSpPr>
-          <p:cNvPr id="129" name="Shape 129"/>
-          <p:cNvSpPr/>
+          <p:cNvPr id="129" name="Components…"/>
+          <p:cNvSpPr txBox="1"/>
           <p:nvPr>
             <p:ph type="body" idx="1"/>
           </p:nvPr>
@@ -6180,8 +6614,8 @@
       </p:grpSpPr>
       <p:sp>
         <p:nvSpPr>
-          <p:cNvPr id="131" name="Shape 131"/>
-          <p:cNvSpPr/>
+          <p:cNvPr id="131" name="Directives"/>
+          <p:cNvSpPr txBox="1"/>
           <p:nvPr>
             <p:ph type="title"/>
           </p:nvPr>
@@ -6204,8 +6638,8 @@
       </p:sp>
       <p:sp>
         <p:nvSpPr>
-          <p:cNvPr id="132" name="Shape 132"/>
-          <p:cNvSpPr/>
+          <p:cNvPr id="132" name="Attribute Directives…"/>
+          <p:cNvSpPr txBox="1"/>
           <p:nvPr>
             <p:ph type="body" idx="1"/>
           </p:nvPr>
@@ -6275,8 +6709,8 @@
       </p:grpSpPr>
       <p:sp>
         <p:nvSpPr>
-          <p:cNvPr id="134" name="Shape 134"/>
-          <p:cNvSpPr/>
+          <p:cNvPr id="134" name="Directives"/>
+          <p:cNvSpPr txBox="1"/>
           <p:nvPr>
             <p:ph type="title"/>
           </p:nvPr>
@@ -6299,8 +6733,8 @@
       </p:sp>
       <p:sp>
         <p:nvSpPr>
-          <p:cNvPr id="135" name="Shape 135"/>
-          <p:cNvSpPr/>
+          <p:cNvPr id="135" name="Structural Directives…"/>
+          <p:cNvSpPr txBox="1"/>
           <p:nvPr>
             <p:ph type="body" idx="1"/>
           </p:nvPr>
@@ -6376,8 +6810,8 @@
       </p:grpSpPr>
       <p:sp>
         <p:nvSpPr>
-          <p:cNvPr id="137" name="Shape 137"/>
-          <p:cNvSpPr/>
+          <p:cNvPr id="137" name="Directives"/>
+          <p:cNvSpPr txBox="1"/>
           <p:nvPr>
             <p:ph type="title"/>
           </p:nvPr>
@@ -6400,8 +6834,8 @@
       </p:sp>
       <p:sp>
         <p:nvSpPr>
-          <p:cNvPr id="138" name="Shape 138"/>
-          <p:cNvSpPr/>
+          <p:cNvPr id="138" name="Structural Directives…"/>
+          <p:cNvSpPr txBox="1"/>
           <p:nvPr>
             <p:ph type="body" idx="1"/>
           </p:nvPr>
@@ -6483,8 +6917,8 @@
       </p:grpSpPr>
       <p:sp>
         <p:nvSpPr>
-          <p:cNvPr id="140" name="Shape 140"/>
-          <p:cNvSpPr/>
+          <p:cNvPr id="140" name="Directives"/>
+          <p:cNvSpPr txBox="1"/>
           <p:nvPr>
             <p:ph type="title"/>
           </p:nvPr>
@@ -6507,8 +6941,8 @@
       </p:sp>
       <p:sp>
         <p:nvSpPr>
-          <p:cNvPr id="141" name="Shape 141"/>
-          <p:cNvSpPr/>
+          <p:cNvPr id="141" name="Structural Directives…"/>
+          <p:cNvSpPr txBox="1"/>
           <p:nvPr>
             <p:ph type="body" idx="1"/>
           </p:nvPr>
@@ -6578,8 +7012,8 @@
       </p:grpSpPr>
       <p:sp>
         <p:nvSpPr>
-          <p:cNvPr id="143" name="Shape 143"/>
-          <p:cNvSpPr/>
+          <p:cNvPr id="143" name="Directives"/>
+          <p:cNvSpPr txBox="1"/>
           <p:nvPr>
             <p:ph type="title"/>
           </p:nvPr>
@@ -6602,8 +7036,8 @@
       </p:sp>
       <p:sp>
         <p:nvSpPr>
-          <p:cNvPr id="144" name="Shape 144"/>
-          <p:cNvSpPr/>
+          <p:cNvPr id="144" name="ngIf…"/>
+          <p:cNvSpPr txBox="1"/>
           <p:nvPr>
             <p:ph type="body" idx="1"/>
           </p:nvPr>
